--- a/State-Exploration.pptx
+++ b/State-Exploration.pptx
@@ -3330,7 +3330,7 @@
           <p:cNvPr id="0" name="slide1">
             <a:extLst>
               <a:ext uri="{FF2B5EF4-FFF2-40B4-BE49-F238E27FC236}">
-                <a16:creationId xmlns:a16="http://schemas.microsoft.com/office/drawing/2014/main" id="{B9DD18B0-D6DC-4652-8334-5B5582A9CAA4}"/>
+                <a16:creationId xmlns:a16="http://schemas.microsoft.com/office/drawing/2014/main" id="{795DA279-BC07-43B4-97F7-85292DCC0FAB}"/>
               </a:ext>
             </a:extLst>
           </p:cNvPr>
@@ -3358,7 +3358,7 @@
           <p:cNvPr id="1" name="slide1">
             <a:extLst>
               <a:ext uri="{FF2B5EF4-FFF2-40B4-BE49-F238E27FC236}">
-                <a16:creationId xmlns:a16="http://schemas.microsoft.com/office/drawing/2014/main" id="{46E4057F-3E78-4B98-A923-A22AAF46BD42}"/>
+                <a16:creationId xmlns:a16="http://schemas.microsoft.com/office/drawing/2014/main" id="{89EF20AA-A57E-4367-BBA8-789C8F604E55}"/>
               </a:ext>
             </a:extLst>
           </p:cNvPr>
@@ -3376,7 +3376,7 @@
           <a:p>
             <a:r>
               <a:rPr/>
-              <a:t>File created on: 8/5/2021 6:04:41 PM</a:t>
+              <a:t>File created on: 8/5/2021 6:07:06 PM</a:t>
             </a:r>
           </a:p>
         </p:txBody>
@@ -3416,7 +3416,7 @@
           <p:cNvPr descr="United States Cities Data" id="2" name="slide2">
             <a:extLst>
               <a:ext uri="{FF2B5EF4-FFF2-40B4-BE49-F238E27FC236}">
-                <a16:creationId xmlns:a16="http://schemas.microsoft.com/office/drawing/2014/main" id="{ACC238B5-DE2A-4582-8B1B-AFFF05CC9D0D}"/>
+                <a16:creationId xmlns:a16="http://schemas.microsoft.com/office/drawing/2014/main" id="{2DBD0FB4-0B2B-4078-A0EA-D0B585E9A32C}"/>
               </a:ext>
             </a:extLst>
           </p:cNvPr>
@@ -3482,7 +3482,7 @@
           <p:cNvPr descr="Cost of LIving Index" id="3" name="slide3">
             <a:extLst>
               <a:ext uri="{FF2B5EF4-FFF2-40B4-BE49-F238E27FC236}">
-                <a16:creationId xmlns:a16="http://schemas.microsoft.com/office/drawing/2014/main" id="{C7265164-B005-468C-8843-40C105C308E7}"/>
+                <a16:creationId xmlns:a16="http://schemas.microsoft.com/office/drawing/2014/main" id="{4433E897-EAF8-458F-BBE4-17F2CF676E7D}"/>
               </a:ext>
             </a:extLst>
           </p:cNvPr>
@@ -3505,8 +3505,8 @@
         </p:blipFill>
         <p:spPr>
           <a:xfrm>
-            <a:off x="3858219" y="0"/>
-            <a:ext cx="4475561" cy="6858000"/>
+            <a:off x="3647136" y="0"/>
+            <a:ext cx="4897728" cy="6858000"/>
           </a:xfrm>
           <a:prstGeom prst="rect">
             <a:avLst/>
@@ -3548,7 +3548,7 @@
           <p:cNvPr descr="Rent Index" id="4" name="slide4">
             <a:extLst>
               <a:ext uri="{FF2B5EF4-FFF2-40B4-BE49-F238E27FC236}">
-                <a16:creationId xmlns:a16="http://schemas.microsoft.com/office/drawing/2014/main" id="{60374869-4A38-46B3-A70E-06575AF71F33}"/>
+                <a16:creationId xmlns:a16="http://schemas.microsoft.com/office/drawing/2014/main" id="{B18A6D5C-6012-4070-A1E6-A2D7CF4CB008}"/>
               </a:ext>
             </a:extLst>
           </p:cNvPr>
@@ -3571,8 +3571,8 @@
         </p:blipFill>
         <p:spPr>
           <a:xfrm>
-            <a:off x="3858219" y="0"/>
-            <a:ext cx="4475561" cy="6858000"/>
+            <a:off x="3647136" y="0"/>
+            <a:ext cx="4897728" cy="6858000"/>
           </a:xfrm>
           <a:prstGeom prst="rect">
             <a:avLst/>
@@ -3614,7 +3614,7 @@
           <p:cNvPr descr="Resturant Index" id="5" name="slide5">
             <a:extLst>
               <a:ext uri="{FF2B5EF4-FFF2-40B4-BE49-F238E27FC236}">
-                <a16:creationId xmlns:a16="http://schemas.microsoft.com/office/drawing/2014/main" id="{4A8FC28E-761E-41D4-85FB-5CC849426510}"/>
+                <a16:creationId xmlns:a16="http://schemas.microsoft.com/office/drawing/2014/main" id="{F01EBFD6-EB8A-4B52-BD18-7726C2A1F801}"/>
               </a:ext>
             </a:extLst>
           </p:cNvPr>
@@ -3637,8 +3637,8 @@
         </p:blipFill>
         <p:spPr>
           <a:xfrm>
-            <a:off x="3858219" y="0"/>
-            <a:ext cx="4475561" cy="6858000"/>
+            <a:off x="3647136" y="0"/>
+            <a:ext cx="4897728" cy="6858000"/>
           </a:xfrm>
           <a:prstGeom prst="rect">
             <a:avLst/>
